--- a/resources/Hackathon_PresentationTemplate.pptx
+++ b/resources/Hackathon_PresentationTemplate.pptx
@@ -6,15 +6,16 @@
     <p:sldMasterId id="2147483678" r:id="rId2"/>
   </p:sldMasterIdLst>
   <p:notesMasterIdLst>
-    <p:notesMasterId r:id="rId9"/>
+    <p:notesMasterId r:id="rId10"/>
   </p:notesMasterIdLst>
   <p:sldIdLst>
     <p:sldId id="263" r:id="rId3"/>
     <p:sldId id="264" r:id="rId4"/>
-    <p:sldId id="265" r:id="rId5"/>
-    <p:sldId id="266" r:id="rId6"/>
-    <p:sldId id="267" r:id="rId7"/>
-    <p:sldId id="268" r:id="rId8"/>
+    <p:sldId id="269" r:id="rId5"/>
+    <p:sldId id="265" r:id="rId6"/>
+    <p:sldId id="266" r:id="rId7"/>
+    <p:sldId id="267" r:id="rId8"/>
+    <p:sldId id="268" r:id="rId9"/>
   </p:sldIdLst>
   <p:sldSz cx="9144000" cy="6858000" type="screen4x3"/>
   <p:notesSz cx="6858000" cy="9144000"/>
@@ -162,6 +163,14 @@
 </p:presentation>
 </file>
 
+<file path=ppt/revisionInfo.xml><?xml version="1.0" encoding="utf-8"?>
+<p1510:revInfo xmlns:a="http://schemas.openxmlformats.org/drawingml/2006/main" xmlns:r="http://schemas.openxmlformats.org/officeDocument/2006/relationships" xmlns:p1510="http://schemas.microsoft.com/office/powerpoint/2015/10/main">
+  <p1510:revLst>
+    <p1510:client id="{98F5E78F-C4EF-4E70-803E-63B3BAF622D2}" v="2" dt="2025-07-06T18:45:20.654"/>
+  </p1510:revLst>
+</p1510:revInfo>
+</file>
+
 <file path=ppt/changesInfos/changesInfo1.xml><?xml version="1.0" encoding="utf-8"?>
 <pc:chgInfo xmlns:a="http://schemas.openxmlformats.org/drawingml/2006/main" xmlns:r="http://schemas.openxmlformats.org/officeDocument/2006/relationships" xmlns:ac="http://schemas.microsoft.com/office/drawing/2013/main/command" xmlns:pc="http://schemas.microsoft.com/office/powerpoint/2013/main/command">
   <pc:docChgLst>
@@ -226,6 +235,90 @@
       </pc:sldMasterChg>
     </pc:docChg>
   </pc:docChgLst>
+  <pc:docChgLst>
+    <pc:chgData name="Pyrcz, Michael" userId="0efd8a38-3f8e-46fd-9886-7800c0196e80" providerId="ADAL" clId="{98F5E78F-C4EF-4E70-803E-63B3BAF622D2}"/>
+    <pc:docChg chg="addSld modSld">
+      <pc:chgData name="Pyrcz, Michael" userId="0efd8a38-3f8e-46fd-9886-7800c0196e80" providerId="ADAL" clId="{98F5E78F-C4EF-4E70-803E-63B3BAF622D2}" dt="2025-07-06T18:46:27.671" v="278" actId="20577"/>
+      <pc:docMkLst>
+        <pc:docMk/>
+      </pc:docMkLst>
+      <pc:sldChg chg="modSp mod">
+        <pc:chgData name="Pyrcz, Michael" userId="0efd8a38-3f8e-46fd-9886-7800c0196e80" providerId="ADAL" clId="{98F5E78F-C4EF-4E70-803E-63B3BAF622D2}" dt="2025-07-06T18:44:33.283" v="167" actId="1037"/>
+        <pc:sldMkLst>
+          <pc:docMk/>
+          <pc:sldMk cId="0" sldId="263"/>
+        </pc:sldMkLst>
+        <pc:spChg chg="mod">
+          <ac:chgData name="Pyrcz, Michael" userId="0efd8a38-3f8e-46fd-9886-7800c0196e80" providerId="ADAL" clId="{98F5E78F-C4EF-4E70-803E-63B3BAF622D2}" dt="2025-07-06T18:44:33.283" v="167" actId="1037"/>
+          <ac:spMkLst>
+            <pc:docMk/>
+            <pc:sldMk cId="0" sldId="263"/>
+            <ac:spMk id="2" creationId="{42365954-A42F-437F-828E-34290C82D61E}"/>
+          </ac:spMkLst>
+        </pc:spChg>
+      </pc:sldChg>
+      <pc:sldChg chg="addSp modSp mod">
+        <pc:chgData name="Pyrcz, Michael" userId="0efd8a38-3f8e-46fd-9886-7800c0196e80" providerId="ADAL" clId="{98F5E78F-C4EF-4E70-803E-63B3BAF622D2}" dt="2025-07-06T18:42:47.567" v="82" actId="1076"/>
+        <pc:sldMkLst>
+          <pc:docMk/>
+          <pc:sldMk cId="2706057530" sldId="264"/>
+        </pc:sldMkLst>
+        <pc:spChg chg="add mod">
+          <ac:chgData name="Pyrcz, Michael" userId="0efd8a38-3f8e-46fd-9886-7800c0196e80" providerId="ADAL" clId="{98F5E78F-C4EF-4E70-803E-63B3BAF622D2}" dt="2025-07-06T18:42:47.567" v="82" actId="1076"/>
+          <ac:spMkLst>
+            <pc:docMk/>
+            <pc:sldMk cId="2706057530" sldId="264"/>
+            <ac:spMk id="2" creationId="{4631EE65-8E1A-628B-B912-2525C6FBD814}"/>
+          </ac:spMkLst>
+        </pc:spChg>
+      </pc:sldChg>
+      <pc:sldChg chg="modSp mod">
+        <pc:chgData name="Pyrcz, Michael" userId="0efd8a38-3f8e-46fd-9886-7800c0196e80" providerId="ADAL" clId="{98F5E78F-C4EF-4E70-803E-63B3BAF622D2}" dt="2025-07-06T18:46:27.671" v="278" actId="20577"/>
+        <pc:sldMkLst>
+          <pc:docMk/>
+          <pc:sldMk cId="2036120476" sldId="267"/>
+        </pc:sldMkLst>
+        <pc:spChg chg="mod">
+          <ac:chgData name="Pyrcz, Michael" userId="0efd8a38-3f8e-46fd-9886-7800c0196e80" providerId="ADAL" clId="{98F5E78F-C4EF-4E70-803E-63B3BAF622D2}" dt="2025-07-06T18:46:27.671" v="278" actId="20577"/>
+          <ac:spMkLst>
+            <pc:docMk/>
+            <pc:sldMk cId="2036120476" sldId="267"/>
+            <ac:spMk id="9" creationId="{C3CAC856-1BBB-45BD-8E9F-47D8B49C9EFA}"/>
+          </ac:spMkLst>
+        </pc:spChg>
+      </pc:sldChg>
+      <pc:sldChg chg="modSp mod">
+        <pc:chgData name="Pyrcz, Michael" userId="0efd8a38-3f8e-46fd-9886-7800c0196e80" providerId="ADAL" clId="{98F5E78F-C4EF-4E70-803E-63B3BAF622D2}" dt="2025-07-06T18:43:24.580" v="131" actId="20577"/>
+        <pc:sldMkLst>
+          <pc:docMk/>
+          <pc:sldMk cId="2099159860" sldId="268"/>
+        </pc:sldMkLst>
+        <pc:spChg chg="mod">
+          <ac:chgData name="Pyrcz, Michael" userId="0efd8a38-3f8e-46fd-9886-7800c0196e80" providerId="ADAL" clId="{98F5E78F-C4EF-4E70-803E-63B3BAF622D2}" dt="2025-07-06T18:43:24.580" v="131" actId="20577"/>
+          <ac:spMkLst>
+            <pc:docMk/>
+            <pc:sldMk cId="2099159860" sldId="268"/>
+            <ac:spMk id="9" creationId="{C3CAC856-1BBB-45BD-8E9F-47D8B49C9EFA}"/>
+          </ac:spMkLst>
+        </pc:spChg>
+      </pc:sldChg>
+      <pc:sldChg chg="modSp add mod">
+        <pc:chgData name="Pyrcz, Michael" userId="0efd8a38-3f8e-46fd-9886-7800c0196e80" providerId="ADAL" clId="{98F5E78F-C4EF-4E70-803E-63B3BAF622D2}" dt="2025-07-06T18:45:44.408" v="247" actId="20577"/>
+        <pc:sldMkLst>
+          <pc:docMk/>
+          <pc:sldMk cId="677194927" sldId="269"/>
+        </pc:sldMkLst>
+        <pc:spChg chg="mod">
+          <ac:chgData name="Pyrcz, Michael" userId="0efd8a38-3f8e-46fd-9886-7800c0196e80" providerId="ADAL" clId="{98F5E78F-C4EF-4E70-803E-63B3BAF622D2}" dt="2025-07-06T18:45:44.408" v="247" actId="20577"/>
+          <ac:spMkLst>
+            <pc:docMk/>
+            <pc:sldMk cId="677194927" sldId="269"/>
+            <ac:spMk id="9" creationId="{C3CAC856-1BBB-45BD-8E9F-47D8B49C9EFA}"/>
+          </ac:spMkLst>
+        </pc:spChg>
+      </pc:sldChg>
+    </pc:docChg>
+  </pc:docChgLst>
 </pc:chgInfo>
 </file>
 
@@ -311,7 +404,7 @@
           <a:p>
             <a:fld id="{1F55A2F7-1CB2-9A4A-A317-46954273A428}" type="datetimeFigureOut">
               <a:rPr lang="en-US" smtClean="0"/>
-              <a:t>6/19/2025</a:t>
+              <a:t>7/6/2025</a:t>
             </a:fld>
             <a:endParaRPr lang="en-US"/>
           </a:p>
@@ -953,17 +1046,17 @@
           <a:noFill/>
           <a:extLst>
             <a:ext uri="{FAA26D3D-D897-4be2-8F04-BA451C77F1D7}">
-              <ma14:placeholderFlag xmlns="" xmlns:ma14="http://schemas.microsoft.com/office/mac/drawingml/2011/main" val="1"/>
+              <ma14:placeholderFlag xmlns:ma14="http://schemas.microsoft.com/office/mac/drawingml/2011/main" xmlns="" val="1"/>
             </a:ext>
             <a:ext uri="{909E8E84-426E-40dd-AFC4-6F175D3DCCD1}">
-              <a14:hiddenFill xmlns:a14="http://schemas.microsoft.com/office/drawing/2010/main" xmlns="">
+              <a14:hiddenFill xmlns="" xmlns:a14="http://schemas.microsoft.com/office/drawing/2010/main">
                 <a:solidFill>
                   <a:srgbClr val="FFFFFF"/>
                 </a:solidFill>
               </a14:hiddenFill>
             </a:ext>
             <a:ext uri="{91240B29-F687-4f45-9708-019B960494DF}">
-              <a14:hiddenLine xmlns:a14="http://schemas.microsoft.com/office/drawing/2010/main" xmlns="" w="9525">
+              <a14:hiddenLine xmlns="" xmlns:a14="http://schemas.microsoft.com/office/drawing/2010/main" w="9525">
                 <a:solidFill>
                   <a:srgbClr val="000000"/>
                 </a:solidFill>
@@ -1105,17 +1198,17 @@
           <a:noFill/>
           <a:extLst>
             <a:ext uri="{FAA26D3D-D897-4be2-8F04-BA451C77F1D7}">
-              <ma14:placeholderFlag xmlns="" xmlns:ma14="http://schemas.microsoft.com/office/mac/drawingml/2011/main" val="1"/>
+              <ma14:placeholderFlag xmlns:ma14="http://schemas.microsoft.com/office/mac/drawingml/2011/main" xmlns="" val="1"/>
             </a:ext>
             <a:ext uri="{909E8E84-426E-40dd-AFC4-6F175D3DCCD1}">
-              <a14:hiddenFill xmlns:a14="http://schemas.microsoft.com/office/drawing/2010/main" xmlns="">
+              <a14:hiddenFill xmlns="" xmlns:a14="http://schemas.microsoft.com/office/drawing/2010/main">
                 <a:solidFill>
                   <a:srgbClr val="FFFFFF"/>
                 </a:solidFill>
               </a14:hiddenFill>
             </a:ext>
             <a:ext uri="{91240B29-F687-4f45-9708-019B960494DF}">
-              <a14:hiddenLine xmlns:a14="http://schemas.microsoft.com/office/drawing/2010/main" xmlns="" w="9525">
+              <a14:hiddenLine xmlns="" xmlns:a14="http://schemas.microsoft.com/office/drawing/2010/main" w="9525">
                 <a:solidFill>
                   <a:srgbClr val="000000"/>
                 </a:solidFill>
@@ -1256,17 +1349,17 @@
           <a:noFill/>
           <a:extLst>
             <a:ext uri="{FAA26D3D-D897-4be2-8F04-BA451C77F1D7}">
-              <ma14:placeholderFlag xmlns="" xmlns:ma14="http://schemas.microsoft.com/office/mac/drawingml/2011/main" val="1"/>
+              <ma14:placeholderFlag xmlns:ma14="http://schemas.microsoft.com/office/mac/drawingml/2011/main" xmlns="" val="1"/>
             </a:ext>
             <a:ext uri="{909E8E84-426E-40dd-AFC4-6F175D3DCCD1}">
-              <a14:hiddenFill xmlns:a14="http://schemas.microsoft.com/office/drawing/2010/main" xmlns="">
+              <a14:hiddenFill xmlns="" xmlns:a14="http://schemas.microsoft.com/office/drawing/2010/main">
                 <a:solidFill>
                   <a:srgbClr val="FFFFFF"/>
                 </a:solidFill>
               </a14:hiddenFill>
             </a:ext>
             <a:ext uri="{91240B29-F687-4f45-9708-019B960494DF}">
-              <a14:hiddenLine xmlns:a14="http://schemas.microsoft.com/office/drawing/2010/main" xmlns="" w="9525">
+              <a14:hiddenLine xmlns="" xmlns:a14="http://schemas.microsoft.com/office/drawing/2010/main" w="9525">
                 <a:solidFill>
                   <a:srgbClr val="000000"/>
                 </a:solidFill>
@@ -1545,14 +1638,14 @@
           </a:ln>
           <a:extLst>
             <a:ext uri="{909E8E84-426E-40dd-AFC4-6F175D3DCCD1}">
-              <a14:hiddenFill xmlns:a14="http://schemas.microsoft.com/office/drawing/2010/main" xmlns="">
+              <a14:hiddenFill xmlns="" xmlns:a14="http://schemas.microsoft.com/office/drawing/2010/main">
                 <a:solidFill>
                   <a:srgbClr val="FFFFFF"/>
                 </a:solidFill>
               </a14:hiddenFill>
             </a:ext>
             <a:ext uri="{91240B29-F687-4f45-9708-019B960494DF}">
-              <a14:hiddenLine xmlns:a14="http://schemas.microsoft.com/office/drawing/2010/main" xmlns="" w="9525">
+              <a14:hiddenLine xmlns="" xmlns:a14="http://schemas.microsoft.com/office/drawing/2010/main" w="9525">
                 <a:solidFill>
                   <a:srgbClr val="000000"/>
                 </a:solidFill>
@@ -1615,17 +1708,17 @@
           <a:noFill/>
           <a:extLst>
             <a:ext uri="{FAA26D3D-D897-4be2-8F04-BA451C77F1D7}">
-              <ma14:placeholderFlag xmlns="" xmlns:ma14="http://schemas.microsoft.com/office/mac/drawingml/2011/main" val="1"/>
+              <ma14:placeholderFlag xmlns:ma14="http://schemas.microsoft.com/office/mac/drawingml/2011/main" xmlns="" val="1"/>
             </a:ext>
             <a:ext uri="{909E8E84-426E-40dd-AFC4-6F175D3DCCD1}">
-              <a14:hiddenFill xmlns:a14="http://schemas.microsoft.com/office/drawing/2010/main" xmlns="">
+              <a14:hiddenFill xmlns="" xmlns:a14="http://schemas.microsoft.com/office/drawing/2010/main">
                 <a:solidFill>
                   <a:srgbClr val="FFFFFF"/>
                 </a:solidFill>
               </a14:hiddenFill>
             </a:ext>
             <a:ext uri="{91240B29-F687-4f45-9708-019B960494DF}">
-              <a14:hiddenLine xmlns:a14="http://schemas.microsoft.com/office/drawing/2010/main" xmlns="" w="9525">
+              <a14:hiddenLine xmlns="" xmlns:a14="http://schemas.microsoft.com/office/drawing/2010/main" w="9525">
                 <a:solidFill>
                   <a:srgbClr val="000000"/>
                 </a:solidFill>
@@ -1766,17 +1859,17 @@
           <a:noFill/>
           <a:extLst>
             <a:ext uri="{FAA26D3D-D897-4be2-8F04-BA451C77F1D7}">
-              <ma14:placeholderFlag xmlns="" xmlns:ma14="http://schemas.microsoft.com/office/mac/drawingml/2011/main" val="1"/>
+              <ma14:placeholderFlag xmlns:ma14="http://schemas.microsoft.com/office/mac/drawingml/2011/main" xmlns="" val="1"/>
             </a:ext>
             <a:ext uri="{909E8E84-426E-40dd-AFC4-6F175D3DCCD1}">
-              <a14:hiddenFill xmlns:a14="http://schemas.microsoft.com/office/drawing/2010/main" xmlns="">
+              <a14:hiddenFill xmlns="" xmlns:a14="http://schemas.microsoft.com/office/drawing/2010/main">
                 <a:solidFill>
                   <a:srgbClr val="FFFFFF"/>
                 </a:solidFill>
               </a14:hiddenFill>
             </a:ext>
             <a:ext uri="{91240B29-F687-4f45-9708-019B960494DF}">
-              <a14:hiddenLine xmlns:a14="http://schemas.microsoft.com/office/drawing/2010/main" xmlns="" w="9525">
+              <a14:hiddenLine xmlns="" xmlns:a14="http://schemas.microsoft.com/office/drawing/2010/main" w="9525">
                 <a:solidFill>
                   <a:srgbClr val="000000"/>
                 </a:solidFill>
@@ -1948,17 +2041,17 @@
           <a:noFill/>
           <a:extLst>
             <a:ext uri="{FAA26D3D-D897-4be2-8F04-BA451C77F1D7}">
-              <ma14:placeholderFlag xmlns="" xmlns:ma14="http://schemas.microsoft.com/office/mac/drawingml/2011/main" val="1"/>
+              <ma14:placeholderFlag xmlns:ma14="http://schemas.microsoft.com/office/mac/drawingml/2011/main" xmlns="" val="1"/>
             </a:ext>
             <a:ext uri="{909E8E84-426E-40dd-AFC4-6F175D3DCCD1}">
-              <a14:hiddenFill xmlns:a14="http://schemas.microsoft.com/office/drawing/2010/main" xmlns="">
+              <a14:hiddenFill xmlns="" xmlns:a14="http://schemas.microsoft.com/office/drawing/2010/main">
                 <a:solidFill>
                   <a:srgbClr val="FFFFFF"/>
                 </a:solidFill>
               </a14:hiddenFill>
             </a:ext>
             <a:ext uri="{91240B29-F687-4f45-9708-019B960494DF}">
-              <a14:hiddenLine xmlns:a14="http://schemas.microsoft.com/office/drawing/2010/main" xmlns="" w="9525">
+              <a14:hiddenLine xmlns="" xmlns:a14="http://schemas.microsoft.com/office/drawing/2010/main" w="9525">
                 <a:solidFill>
                   <a:srgbClr val="000000"/>
                 </a:solidFill>
@@ -3245,8 +3338,8 @@
         </p:nvSpPr>
         <p:spPr>
           <a:xfrm>
-            <a:off x="1009724" y="6329805"/>
-            <a:ext cx="7340664" cy="461665"/>
+            <a:off x="201794" y="6329805"/>
+            <a:ext cx="8873198" cy="461665"/>
           </a:xfrm>
           <a:prstGeom prst="rect">
             <a:avLst/>
@@ -3273,7 +3366,7 @@
                   <a:srgbClr val="FFFF00"/>
                 </a:highlight>
               </a:rPr>
-              <a:t>will likely have </a:t>
+              <a:t>will likely have only 5 </a:t>
             </a:r>
             <a:r>
               <a:rPr lang="en-US" dirty="0">
@@ -3281,7 +3374,7 @@
                   <a:srgbClr val="FFFF00"/>
                 </a:highlight>
               </a:rPr>
-              <a:t>less </a:t>
+              <a:t>minutes </a:t>
             </a:r>
             <a:r>
               <a:rPr lang="en-US">
@@ -3289,16 +3382,13 @@
                   <a:srgbClr val="FFFF00"/>
                 </a:highlight>
               </a:rPr>
-              <a:t>than 10 </a:t>
-            </a:r>
-            <a:r>
-              <a:rPr lang="en-US" dirty="0">
-                <a:highlight>
-                  <a:srgbClr val="FFFF00"/>
-                </a:highlight>
-              </a:rPr>
-              <a:t>minutes to present.</a:t>
-            </a:r>
+              <a:t>to present, suggest 5-8 slides.</a:t>
+            </a:r>
+            <a:endParaRPr lang="en-US" dirty="0">
+              <a:highlight>
+                <a:srgbClr val="FFFF00"/>
+              </a:highlight>
+            </a:endParaRPr>
           </a:p>
         </p:txBody>
       </p:sp>
@@ -3430,6 +3520,50 @@
           </a:p>
         </p:txBody>
       </p:sp>
+      <p:sp>
+        <p:nvSpPr>
+          <p:cNvPr id="2" name="TextBox 1">
+            <a:extLst>
+              <a:ext uri="{FF2B5EF4-FFF2-40B4-BE49-F238E27FC236}">
+                <a16:creationId xmlns:a16="http://schemas.microsoft.com/office/drawing/2014/main" id="{4631EE65-8E1A-628B-B912-2525C6FBD814}"/>
+              </a:ext>
+            </a:extLst>
+          </p:cNvPr>
+          <p:cNvSpPr txBox="1"/>
+          <p:nvPr/>
+        </p:nvSpPr>
+        <p:spPr>
+          <a:xfrm>
+            <a:off x="2374970" y="6329805"/>
+            <a:ext cx="4305281" cy="461665"/>
+          </a:xfrm>
+          <a:prstGeom prst="rect">
+            <a:avLst/>
+          </a:prstGeom>
+          <a:noFill/>
+        </p:spPr>
+        <p:txBody>
+          <a:bodyPr wrap="none" rtlCol="0">
+            <a:spAutoFit/>
+          </a:bodyPr>
+          <a:lstStyle/>
+          <a:p>
+            <a:r>
+              <a:rPr lang="en-US">
+                <a:highlight>
+                  <a:srgbClr val="FFFF00"/>
+                </a:highlight>
+              </a:rPr>
+              <a:t>Very concise, 4 short statements.</a:t>
+            </a:r>
+            <a:endParaRPr lang="en-US" dirty="0">
+              <a:highlight>
+                <a:srgbClr val="FFFF00"/>
+              </a:highlight>
+            </a:endParaRPr>
+          </a:p>
+        </p:txBody>
+      </p:sp>
     </p:spTree>
     <p:extLst>
       <p:ext uri="{BB962C8B-B14F-4D97-AF65-F5344CB8AC3E}">
@@ -3475,6 +3609,131 @@
         <p:spPr>
           <a:xfrm>
             <a:off x="506027" y="857928"/>
+            <a:ext cx="8043169" cy="2339102"/>
+          </a:xfrm>
+          <a:prstGeom prst="rect">
+            <a:avLst/>
+          </a:prstGeom>
+          <a:noFill/>
+        </p:spPr>
+        <p:txBody>
+          <a:bodyPr wrap="square">
+            <a:spAutoFit/>
+          </a:bodyPr>
+          <a:lstStyle/>
+          <a:p>
+            <a:pPr algn="ctr"/>
+            <a:r>
+              <a:rPr lang="en-US" sz="2800" b="1">
+                <a:latin typeface="+mn-lt"/>
+                <a:cs typeface="Arial" panose="020B0604020202020204" pitchFamily="34" charset="0"/>
+              </a:rPr>
+              <a:t>The Problem</a:t>
+            </a:r>
+            <a:endParaRPr lang="en-US" sz="2800" b="1" dirty="0">
+              <a:latin typeface="+mn-lt"/>
+              <a:cs typeface="Arial" panose="020B0604020202020204" pitchFamily="34" charset="0"/>
+            </a:endParaRPr>
+          </a:p>
+          <a:p>
+            <a:pPr algn="ctr"/>
+            <a:endParaRPr lang="en-US" sz="2000" b="1" dirty="0">
+              <a:latin typeface="+mn-lt"/>
+              <a:cs typeface="Arial" panose="020B0604020202020204" pitchFamily="34" charset="0"/>
+            </a:endParaRPr>
+          </a:p>
+          <a:p>
+            <a:pPr algn="ctr"/>
+            <a:endParaRPr lang="en-US" sz="2000" b="1" dirty="0">
+              <a:latin typeface="+mn-lt"/>
+              <a:cs typeface="Arial" panose="020B0604020202020204" pitchFamily="34" charset="0"/>
+            </a:endParaRPr>
+          </a:p>
+          <a:p>
+            <a:pPr algn="ctr"/>
+            <a:r>
+              <a:rPr lang="en-US" sz="2000" b="1">
+                <a:latin typeface="+mn-lt"/>
+                <a:cs typeface="Arial" panose="020B0604020202020204" pitchFamily="34" charset="0"/>
+              </a:rPr>
+              <a:t>What problem are you solving?</a:t>
+            </a:r>
+          </a:p>
+          <a:p>
+            <a:pPr algn="ctr"/>
+            <a:endParaRPr lang="en-US" sz="2000" b="1">
+              <a:latin typeface="+mn-lt"/>
+              <a:cs typeface="Arial" panose="020B0604020202020204" pitchFamily="34" charset="0"/>
+            </a:endParaRPr>
+          </a:p>
+          <a:p>
+            <a:pPr algn="ctr"/>
+            <a:r>
+              <a:rPr lang="en-US" sz="2000" b="1">
+                <a:latin typeface="+mn-lt"/>
+                <a:cs typeface="Arial" panose="020B0604020202020204" pitchFamily="34" charset="0"/>
+              </a:rPr>
+              <a:t>Why is it important?</a:t>
+            </a:r>
+            <a:endParaRPr lang="en-US" sz="2000" b="1" dirty="0">
+              <a:latin typeface="+mn-lt"/>
+              <a:cs typeface="Arial" panose="020B0604020202020204" pitchFamily="34" charset="0"/>
+            </a:endParaRPr>
+          </a:p>
+          <a:p>
+            <a:pPr algn="ctr"/>
+            <a:endParaRPr lang="en-US" sz="1800" b="1" dirty="0">
+              <a:latin typeface="+mn-lt"/>
+              <a:cs typeface="Arial" panose="020B0604020202020204" pitchFamily="34" charset="0"/>
+            </a:endParaRPr>
+          </a:p>
+        </p:txBody>
+      </p:sp>
+    </p:spTree>
+    <p:extLst>
+      <p:ext uri="{BB962C8B-B14F-4D97-AF65-F5344CB8AC3E}">
+        <p14:creationId xmlns:p14="http://schemas.microsoft.com/office/powerpoint/2010/main" val="677194927"/>
+      </p:ext>
+    </p:extLst>
+  </p:cSld>
+  <p:clrMapOvr>
+    <a:masterClrMapping/>
+  </p:clrMapOvr>
+</p:sld>
+</file>
+
+<file path=ppt/slides/slide4.xml><?xml version="1.0" encoding="utf-8"?>
+<p:sld xmlns:a="http://schemas.openxmlformats.org/drawingml/2006/main" xmlns:r="http://schemas.openxmlformats.org/officeDocument/2006/relationships" xmlns:p="http://schemas.openxmlformats.org/presentationml/2006/main">
+  <p:cSld>
+    <p:spTree>
+      <p:nvGrpSpPr>
+        <p:cNvPr id="1" name=""/>
+        <p:cNvGrpSpPr/>
+        <p:nvPr/>
+      </p:nvGrpSpPr>
+      <p:grpSpPr>
+        <a:xfrm>
+          <a:off x="0" y="0"/>
+          <a:ext cx="0" cy="0"/>
+          <a:chOff x="0" y="0"/>
+          <a:chExt cx="0" cy="0"/>
+        </a:xfrm>
+      </p:grpSpPr>
+      <p:sp>
+        <p:nvSpPr>
+          <p:cNvPr id="9" name="TextBox 8">
+            <a:extLst>
+              <a:ext uri="{FF2B5EF4-FFF2-40B4-BE49-F238E27FC236}">
+                <a16:creationId xmlns:a16="http://schemas.microsoft.com/office/drawing/2014/main" id="{C3CAC856-1BBB-45BD-8E9F-47D8B49C9EFA}"/>
+              </a:ext>
+            </a:extLst>
+          </p:cNvPr>
+          <p:cNvSpPr txBox="1"/>
+          <p:nvPr/>
+        </p:nvSpPr>
+        <p:spPr>
+          <a:xfrm>
+            <a:off x="506027" y="857928"/>
             <a:ext cx="8043169" cy="1723549"/>
           </a:xfrm>
           <a:prstGeom prst="rect">
@@ -3543,7 +3802,7 @@
 </p:sld>
 </file>
 
-<file path=ppt/slides/slide4.xml><?xml version="1.0" encoding="utf-8"?>
+<file path=ppt/slides/slide5.xml><?xml version="1.0" encoding="utf-8"?>
 <p:sld xmlns:a="http://schemas.openxmlformats.org/drawingml/2006/main" xmlns:r="http://schemas.openxmlformats.org/officeDocument/2006/relationships" xmlns:p="http://schemas.openxmlformats.org/presentationml/2006/main">
   <p:cSld>
     <p:spTree>
@@ -3718,7 +3977,7 @@
 </p:sld>
 </file>
 
-<file path=ppt/slides/slide5.xml><?xml version="1.0" encoding="utf-8"?>
+<file path=ppt/slides/slide6.xml><?xml version="1.0" encoding="utf-8"?>
 <p:sld xmlns:a="http://schemas.openxmlformats.org/drawingml/2006/main" xmlns:r="http://schemas.openxmlformats.org/officeDocument/2006/relationships" xmlns:p="http://schemas.openxmlformats.org/presentationml/2006/main">
   <p:cSld>
     <p:spTree>
@@ -3750,7 +4009,7 @@
         <p:spPr>
           <a:xfrm>
             <a:off x="1056443" y="857928"/>
-            <a:ext cx="7324078" cy="3600986"/>
+            <a:ext cx="7324078" cy="4185761"/>
           </a:xfrm>
           <a:prstGeom prst="rect">
             <a:avLst/>
@@ -3870,6 +4129,23 @@
                 <a:cs typeface="Arial" panose="020B0604020202020204" pitchFamily="34" charset="0"/>
               </a:rPr>
               <a:t>model predictions and modeling tuning, feature engineering and importance, etc.</a:t>
+            </a:r>
+          </a:p>
+          <a:p>
+            <a:pPr algn="ctr"/>
+            <a:endParaRPr lang="en-US" sz="2000" b="1">
+              <a:latin typeface="+mn-lt"/>
+              <a:cs typeface="Arial" panose="020B0604020202020204" pitchFamily="34" charset="0"/>
+            </a:endParaRPr>
+          </a:p>
+          <a:p>
+            <a:pPr algn="ctr"/>
+            <a:r>
+              <a:rPr lang="en-US" sz="2000" b="1">
+                <a:latin typeface="+mn-lt"/>
+                <a:cs typeface="Arial" panose="020B0604020202020204" pitchFamily="34" charset="0"/>
+              </a:rPr>
+              <a:t>Captions for all figures.</a:t>
             </a:r>
             <a:endParaRPr lang="en-US" sz="1800" b="1" dirty="0">
               <a:latin typeface="+mn-lt"/>
@@ -3891,7 +4167,7 @@
 </p:sld>
 </file>
 
-<file path=ppt/slides/slide6.xml><?xml version="1.0" encoding="utf-8"?>
+<file path=ppt/slides/slide7.xml><?xml version="1.0" encoding="utf-8"?>
 <p:sld xmlns:a="http://schemas.openxmlformats.org/drawingml/2006/main" xmlns:r="http://schemas.openxmlformats.org/officeDocument/2006/relationships" xmlns:p="http://schemas.openxmlformats.org/presentationml/2006/main">
   <p:cSld>
     <p:spTree>
@@ -3996,12 +4272,16 @@
           <a:p>
             <a:pPr algn="ctr"/>
             <a:r>
-              <a:rPr lang="en-US" sz="2000" b="1" dirty="0">
+              <a:rPr lang="en-US" sz="2000" b="1">
                 <a:latin typeface="+mn-lt"/>
                 <a:cs typeface="Arial" panose="020B0604020202020204" pitchFamily="34" charset="0"/>
               </a:rPr>
-              <a:t>What could we do to improve next year?</a:t>
-            </a:r>
+              <a:t>How will data science help you as an engineer?</a:t>
+            </a:r>
+            <a:endParaRPr lang="en-US" sz="2000" b="1" dirty="0">
+              <a:latin typeface="+mn-lt"/>
+              <a:cs typeface="Arial" panose="020B0604020202020204" pitchFamily="34" charset="0"/>
+            </a:endParaRPr>
           </a:p>
           <a:p>
             <a:pPr algn="ctr"/>
